--- a/Equipo_06_main_AI2/Equipo_06_presentacion.pptx
+++ b/Equipo_06_main_AI2/Equipo_06_presentacion.pptx
@@ -5139,7 +5139,7 @@
                 <a:cs typeface="HK Grotesk Medium"/>
                 <a:sym typeface="HK Grotesk Medium"/>
               </a:rPr>
-              <a:t>Con una complejidad de O(VE^2), donde VVV es el número de nodos y EEE el número de aristas, este algoritmo permite determinar el flujo máximo entre un nodo de inicio y uno final en la red. Este resultado es crucial para asegurar que la infraestructura pueda soportar la cantidad necesaria de tráfico de datos sin interrupciones, optimizando así la eficiencia de la red.</a:t>
+              <a:t>Con una complejidad de O(VE^2), donde V es el número de nodos y E el número de aristas, este algoritmo permite determinar el flujo máximo entre un nodo de inicio y uno final en la red. Este resultado es crucial para asegurar que la infraestructura pueda soportar la cantidad necesaria de tráfico de datos sin interrupciones, optimizando así la eficiencia de la red.</a:t>
             </a:r>
           </a:p>
         </p:txBody>
